--- a/ppt 16-9/0510.中国心.pptx
+++ b/ppt 16-9/0510.中国心.pptx
@@ -5,7 +5,7 @@
     <p:sldMasterId id="2147483648" r:id="rId1"/>
   </p:sldMasterIdLst>
   <p:sldIdLst>
-    <p:sldId id="3332" r:id="rId2"/>
+    <p:sldId id="3333" r:id="rId2"/>
   </p:sldIdLst>
   <p:sldSz cx="12192000" cy="6858000"/>
   <p:notesSz cx="6858000" cy="9144000"/>
@@ -129,7 +129,7 @@
           <p:cNvPr id="2" name="标题 1">
             <a:extLst>
               <a:ext uri="{FF2B5EF4-FFF2-40B4-BE49-F238E27FC236}">
-                <a16:creationId xmlns:a16="http://schemas.microsoft.com/office/drawing/2014/main" id="{93A67F87-9007-A0A4-A25C-1620759C0656}"/>
+                <a16:creationId xmlns:a16="http://schemas.microsoft.com/office/drawing/2014/main" id="{81693B77-9503-39D9-8DAC-46714A99E820}"/>
               </a:ext>
             </a:extLst>
           </p:cNvPr>
@@ -166,7 +166,7 @@
           <p:cNvPr id="3" name="副标题 2">
             <a:extLst>
               <a:ext uri="{FF2B5EF4-FFF2-40B4-BE49-F238E27FC236}">
-                <a16:creationId xmlns:a16="http://schemas.microsoft.com/office/drawing/2014/main" id="{437956F9-F627-2A6A-F0E4-8BC3C08167E6}"/>
+                <a16:creationId xmlns:a16="http://schemas.microsoft.com/office/drawing/2014/main" id="{831587EA-BA9F-9DB1-A34C-99AAB65D350D}"/>
               </a:ext>
             </a:extLst>
           </p:cNvPr>
@@ -236,7 +236,7 @@
           <p:cNvPr id="4" name="日期占位符 3">
             <a:extLst>
               <a:ext uri="{FF2B5EF4-FFF2-40B4-BE49-F238E27FC236}">
-                <a16:creationId xmlns:a16="http://schemas.microsoft.com/office/drawing/2014/main" id="{CB72EA2A-213F-68DC-45A1-54C53DC8ECE5}"/>
+                <a16:creationId xmlns:a16="http://schemas.microsoft.com/office/drawing/2014/main" id="{8534B60E-550C-0DEF-C601-359B2AFB8308}"/>
               </a:ext>
             </a:extLst>
           </p:cNvPr>
@@ -252,7 +252,7 @@
           <a:bodyPr/>
           <a:lstStyle/>
           <a:p>
-            <a:fld id="{1580513F-49D7-4D71-9EB9-94CA21A94506}" type="datetimeFigureOut">
+            <a:fld id="{37F33574-903F-44AC-9F95-92D9584917FB}" type="datetimeFigureOut">
               <a:rPr lang="zh-CN" altLang="en-US" smtClean="0"/>
               <a:t>2024/3/10</a:t>
             </a:fld>
@@ -265,7 +265,7 @@
           <p:cNvPr id="5" name="页脚占位符 4">
             <a:extLst>
               <a:ext uri="{FF2B5EF4-FFF2-40B4-BE49-F238E27FC236}">
-                <a16:creationId xmlns:a16="http://schemas.microsoft.com/office/drawing/2014/main" id="{6FCB644B-9903-43FD-C7D7-326A9BF07902}"/>
+                <a16:creationId xmlns:a16="http://schemas.microsoft.com/office/drawing/2014/main" id="{07A26008-D2C9-F7FB-B929-4469B23A0876}"/>
               </a:ext>
             </a:extLst>
           </p:cNvPr>
@@ -290,7 +290,7 @@
           <p:cNvPr id="6" name="灯片编号占位符 5">
             <a:extLst>
               <a:ext uri="{FF2B5EF4-FFF2-40B4-BE49-F238E27FC236}">
-                <a16:creationId xmlns:a16="http://schemas.microsoft.com/office/drawing/2014/main" id="{37FD8122-6473-616E-4C2A-65C6D25641CE}"/>
+                <a16:creationId xmlns:a16="http://schemas.microsoft.com/office/drawing/2014/main" id="{16D0ECA2-F893-DE5D-AE4B-170CD46E1B16}"/>
               </a:ext>
             </a:extLst>
           </p:cNvPr>
@@ -306,7 +306,7 @@
           <a:bodyPr/>
           <a:lstStyle/>
           <a:p>
-            <a:fld id="{BF9325A2-2710-49A3-B2B6-79F29975BB08}" type="slidenum">
+            <a:fld id="{B64EC739-C939-4482-8E8E-71A6F9C43AF0}" type="slidenum">
               <a:rPr lang="zh-CN" altLang="en-US" smtClean="0"/>
               <a:t>‹#›</a:t>
             </a:fld>
@@ -317,7 +317,7 @@
     </p:spTree>
     <p:extLst>
       <p:ext uri="{BB962C8B-B14F-4D97-AF65-F5344CB8AC3E}">
-        <p14:creationId xmlns:p14="http://schemas.microsoft.com/office/powerpoint/2010/main" val="2567228837"/>
+        <p14:creationId xmlns:p14="http://schemas.microsoft.com/office/powerpoint/2010/main" val="4143694736"/>
       </p:ext>
     </p:extLst>
   </p:cSld>
@@ -349,7 +349,7 @@
           <p:cNvPr id="2" name="标题 1">
             <a:extLst>
               <a:ext uri="{FF2B5EF4-FFF2-40B4-BE49-F238E27FC236}">
-                <a16:creationId xmlns:a16="http://schemas.microsoft.com/office/drawing/2014/main" id="{0C5F9891-5F1A-4A3C-5F62-12C280EAB4B2}"/>
+                <a16:creationId xmlns:a16="http://schemas.microsoft.com/office/drawing/2014/main" id="{693259B0-27CD-3D3F-BC81-20DBAF05E281}"/>
               </a:ext>
             </a:extLst>
           </p:cNvPr>
@@ -377,7 +377,7 @@
           <p:cNvPr id="3" name="竖排文字占位符 2">
             <a:extLst>
               <a:ext uri="{FF2B5EF4-FFF2-40B4-BE49-F238E27FC236}">
-                <a16:creationId xmlns:a16="http://schemas.microsoft.com/office/drawing/2014/main" id="{3AB1EE40-BB23-5793-1A07-3E556AC1785B}"/>
+                <a16:creationId xmlns:a16="http://schemas.microsoft.com/office/drawing/2014/main" id="{2F1D421A-9E24-259A-0BD6-06DD6B4FE136}"/>
               </a:ext>
             </a:extLst>
           </p:cNvPr>
@@ -434,7 +434,7 @@
           <p:cNvPr id="4" name="日期占位符 3">
             <a:extLst>
               <a:ext uri="{FF2B5EF4-FFF2-40B4-BE49-F238E27FC236}">
-                <a16:creationId xmlns:a16="http://schemas.microsoft.com/office/drawing/2014/main" id="{CF005002-A83C-71BE-E453-FA3BC592BCD4}"/>
+                <a16:creationId xmlns:a16="http://schemas.microsoft.com/office/drawing/2014/main" id="{85D9B683-821B-1379-6A7D-D06B4F2BC9C9}"/>
               </a:ext>
             </a:extLst>
           </p:cNvPr>
@@ -450,7 +450,7 @@
           <a:bodyPr/>
           <a:lstStyle/>
           <a:p>
-            <a:fld id="{1580513F-49D7-4D71-9EB9-94CA21A94506}" type="datetimeFigureOut">
+            <a:fld id="{37F33574-903F-44AC-9F95-92D9584917FB}" type="datetimeFigureOut">
               <a:rPr lang="zh-CN" altLang="en-US" smtClean="0"/>
               <a:t>2024/3/10</a:t>
             </a:fld>
@@ -463,7 +463,7 @@
           <p:cNvPr id="5" name="页脚占位符 4">
             <a:extLst>
               <a:ext uri="{FF2B5EF4-FFF2-40B4-BE49-F238E27FC236}">
-                <a16:creationId xmlns:a16="http://schemas.microsoft.com/office/drawing/2014/main" id="{A47FEBBE-8061-93CF-B469-E31778C38122}"/>
+                <a16:creationId xmlns:a16="http://schemas.microsoft.com/office/drawing/2014/main" id="{8D5F4CA8-A935-EE9A-C202-C12C8906E8D3}"/>
               </a:ext>
             </a:extLst>
           </p:cNvPr>
@@ -488,7 +488,7 @@
           <p:cNvPr id="6" name="灯片编号占位符 5">
             <a:extLst>
               <a:ext uri="{FF2B5EF4-FFF2-40B4-BE49-F238E27FC236}">
-                <a16:creationId xmlns:a16="http://schemas.microsoft.com/office/drawing/2014/main" id="{6D344829-A12B-B62D-8CC9-4BD9793C8BB1}"/>
+                <a16:creationId xmlns:a16="http://schemas.microsoft.com/office/drawing/2014/main" id="{853C823C-22F5-12BC-3170-6D1F5D412127}"/>
               </a:ext>
             </a:extLst>
           </p:cNvPr>
@@ -504,7 +504,7 @@
           <a:bodyPr/>
           <a:lstStyle/>
           <a:p>
-            <a:fld id="{BF9325A2-2710-49A3-B2B6-79F29975BB08}" type="slidenum">
+            <a:fld id="{B64EC739-C939-4482-8E8E-71A6F9C43AF0}" type="slidenum">
               <a:rPr lang="zh-CN" altLang="en-US" smtClean="0"/>
               <a:t>‹#›</a:t>
             </a:fld>
@@ -515,7 +515,7 @@
     </p:spTree>
     <p:extLst>
       <p:ext uri="{BB962C8B-B14F-4D97-AF65-F5344CB8AC3E}">
-        <p14:creationId xmlns:p14="http://schemas.microsoft.com/office/powerpoint/2010/main" val="3429277018"/>
+        <p14:creationId xmlns:p14="http://schemas.microsoft.com/office/powerpoint/2010/main" val="2423555951"/>
       </p:ext>
     </p:extLst>
   </p:cSld>
@@ -547,7 +547,7 @@
           <p:cNvPr id="2" name="竖排标题 1">
             <a:extLst>
               <a:ext uri="{FF2B5EF4-FFF2-40B4-BE49-F238E27FC236}">
-                <a16:creationId xmlns:a16="http://schemas.microsoft.com/office/drawing/2014/main" id="{00F6E53C-78DF-5BA7-F104-447011D2C970}"/>
+                <a16:creationId xmlns:a16="http://schemas.microsoft.com/office/drawing/2014/main" id="{A75D0EB5-9EBF-3920-8145-5D4D9E0F4024}"/>
               </a:ext>
             </a:extLst>
           </p:cNvPr>
@@ -580,7 +580,7 @@
           <p:cNvPr id="3" name="竖排文字占位符 2">
             <a:extLst>
               <a:ext uri="{FF2B5EF4-FFF2-40B4-BE49-F238E27FC236}">
-                <a16:creationId xmlns:a16="http://schemas.microsoft.com/office/drawing/2014/main" id="{83AE4A84-E2F2-4904-CDA6-27FC86BBD68E}"/>
+                <a16:creationId xmlns:a16="http://schemas.microsoft.com/office/drawing/2014/main" id="{9C5C7AE8-770E-F2E7-4E89-7FA9C810974A}"/>
               </a:ext>
             </a:extLst>
           </p:cNvPr>
@@ -642,7 +642,7 @@
           <p:cNvPr id="4" name="日期占位符 3">
             <a:extLst>
               <a:ext uri="{FF2B5EF4-FFF2-40B4-BE49-F238E27FC236}">
-                <a16:creationId xmlns:a16="http://schemas.microsoft.com/office/drawing/2014/main" id="{94B69141-B123-E009-9D4E-EB1A1B0578FB}"/>
+                <a16:creationId xmlns:a16="http://schemas.microsoft.com/office/drawing/2014/main" id="{B511E32C-8DF7-A2E1-F00D-7E58083130AE}"/>
               </a:ext>
             </a:extLst>
           </p:cNvPr>
@@ -658,7 +658,7 @@
           <a:bodyPr/>
           <a:lstStyle/>
           <a:p>
-            <a:fld id="{1580513F-49D7-4D71-9EB9-94CA21A94506}" type="datetimeFigureOut">
+            <a:fld id="{37F33574-903F-44AC-9F95-92D9584917FB}" type="datetimeFigureOut">
               <a:rPr lang="zh-CN" altLang="en-US" smtClean="0"/>
               <a:t>2024/3/10</a:t>
             </a:fld>
@@ -671,7 +671,7 @@
           <p:cNvPr id="5" name="页脚占位符 4">
             <a:extLst>
               <a:ext uri="{FF2B5EF4-FFF2-40B4-BE49-F238E27FC236}">
-                <a16:creationId xmlns:a16="http://schemas.microsoft.com/office/drawing/2014/main" id="{D220FB0E-545B-6D8F-1CA8-73AD9A90844B}"/>
+                <a16:creationId xmlns:a16="http://schemas.microsoft.com/office/drawing/2014/main" id="{DFB31762-A312-08C6-BA3E-51FE6D22F63B}"/>
               </a:ext>
             </a:extLst>
           </p:cNvPr>
@@ -696,7 +696,7 @@
           <p:cNvPr id="6" name="灯片编号占位符 5">
             <a:extLst>
               <a:ext uri="{FF2B5EF4-FFF2-40B4-BE49-F238E27FC236}">
-                <a16:creationId xmlns:a16="http://schemas.microsoft.com/office/drawing/2014/main" id="{05D48950-93C4-6FA0-975E-CF4FAAE4A16F}"/>
+                <a16:creationId xmlns:a16="http://schemas.microsoft.com/office/drawing/2014/main" id="{100F9918-9854-A481-EAA9-AB01BC8BE95A}"/>
               </a:ext>
             </a:extLst>
           </p:cNvPr>
@@ -712,7 +712,7 @@
           <a:bodyPr/>
           <a:lstStyle/>
           <a:p>
-            <a:fld id="{BF9325A2-2710-49A3-B2B6-79F29975BB08}" type="slidenum">
+            <a:fld id="{B64EC739-C939-4482-8E8E-71A6F9C43AF0}" type="slidenum">
               <a:rPr lang="zh-CN" altLang="en-US" smtClean="0"/>
               <a:t>‹#›</a:t>
             </a:fld>
@@ -723,7 +723,7 @@
     </p:spTree>
     <p:extLst>
       <p:ext uri="{BB962C8B-B14F-4D97-AF65-F5344CB8AC3E}">
-        <p14:creationId xmlns:p14="http://schemas.microsoft.com/office/powerpoint/2010/main" val="1916386677"/>
+        <p14:creationId xmlns:p14="http://schemas.microsoft.com/office/powerpoint/2010/main" val="3859940029"/>
       </p:ext>
     </p:extLst>
   </p:cSld>
@@ -755,7 +755,7 @@
           <p:cNvPr id="2" name="标题 1">
             <a:extLst>
               <a:ext uri="{FF2B5EF4-FFF2-40B4-BE49-F238E27FC236}">
-                <a16:creationId xmlns:a16="http://schemas.microsoft.com/office/drawing/2014/main" id="{EEEE3D92-F88B-8447-5320-F5A11A1DFBD9}"/>
+                <a16:creationId xmlns:a16="http://schemas.microsoft.com/office/drawing/2014/main" id="{B8F5D07B-F172-C686-83B8-947FD0ABE040}"/>
               </a:ext>
             </a:extLst>
           </p:cNvPr>
@@ -783,7 +783,7 @@
           <p:cNvPr id="3" name="内容占位符 2">
             <a:extLst>
               <a:ext uri="{FF2B5EF4-FFF2-40B4-BE49-F238E27FC236}">
-                <a16:creationId xmlns:a16="http://schemas.microsoft.com/office/drawing/2014/main" id="{C1218D3F-D9A2-9247-6E89-61B8676E7E50}"/>
+                <a16:creationId xmlns:a16="http://schemas.microsoft.com/office/drawing/2014/main" id="{88E96051-7F03-DF9F-70E0-8342E556C49D}"/>
               </a:ext>
             </a:extLst>
           </p:cNvPr>
@@ -840,7 +840,7 @@
           <p:cNvPr id="4" name="日期占位符 3">
             <a:extLst>
               <a:ext uri="{FF2B5EF4-FFF2-40B4-BE49-F238E27FC236}">
-                <a16:creationId xmlns:a16="http://schemas.microsoft.com/office/drawing/2014/main" id="{B84B62BF-C228-7A6D-B9C1-38A05BE0ADD4}"/>
+                <a16:creationId xmlns:a16="http://schemas.microsoft.com/office/drawing/2014/main" id="{B939719F-4520-E81D-6191-349AAC1076F9}"/>
               </a:ext>
             </a:extLst>
           </p:cNvPr>
@@ -856,7 +856,7 @@
           <a:bodyPr/>
           <a:lstStyle/>
           <a:p>
-            <a:fld id="{1580513F-49D7-4D71-9EB9-94CA21A94506}" type="datetimeFigureOut">
+            <a:fld id="{37F33574-903F-44AC-9F95-92D9584917FB}" type="datetimeFigureOut">
               <a:rPr lang="zh-CN" altLang="en-US" smtClean="0"/>
               <a:t>2024/3/10</a:t>
             </a:fld>
@@ -869,7 +869,7 @@
           <p:cNvPr id="5" name="页脚占位符 4">
             <a:extLst>
               <a:ext uri="{FF2B5EF4-FFF2-40B4-BE49-F238E27FC236}">
-                <a16:creationId xmlns:a16="http://schemas.microsoft.com/office/drawing/2014/main" id="{F5BB5CD6-9F68-4540-2E53-7059F6D9B607}"/>
+                <a16:creationId xmlns:a16="http://schemas.microsoft.com/office/drawing/2014/main" id="{E1032286-F687-F8FB-B956-3CE0ED5B8D8B}"/>
               </a:ext>
             </a:extLst>
           </p:cNvPr>
@@ -894,7 +894,7 @@
           <p:cNvPr id="6" name="灯片编号占位符 5">
             <a:extLst>
               <a:ext uri="{FF2B5EF4-FFF2-40B4-BE49-F238E27FC236}">
-                <a16:creationId xmlns:a16="http://schemas.microsoft.com/office/drawing/2014/main" id="{CDB0943F-270B-BA71-D437-0701514E7DC1}"/>
+                <a16:creationId xmlns:a16="http://schemas.microsoft.com/office/drawing/2014/main" id="{ECB3A508-0F26-98AE-EEEA-D56B79F9C22E}"/>
               </a:ext>
             </a:extLst>
           </p:cNvPr>
@@ -910,7 +910,7 @@
           <a:bodyPr/>
           <a:lstStyle/>
           <a:p>
-            <a:fld id="{BF9325A2-2710-49A3-B2B6-79F29975BB08}" type="slidenum">
+            <a:fld id="{B64EC739-C939-4482-8E8E-71A6F9C43AF0}" type="slidenum">
               <a:rPr lang="zh-CN" altLang="en-US" smtClean="0"/>
               <a:t>‹#›</a:t>
             </a:fld>
@@ -921,7 +921,7 @@
     </p:spTree>
     <p:extLst>
       <p:ext uri="{BB962C8B-B14F-4D97-AF65-F5344CB8AC3E}">
-        <p14:creationId xmlns:p14="http://schemas.microsoft.com/office/powerpoint/2010/main" val="3230356447"/>
+        <p14:creationId xmlns:p14="http://schemas.microsoft.com/office/powerpoint/2010/main" val="476137064"/>
       </p:ext>
     </p:extLst>
   </p:cSld>
@@ -953,7 +953,7 @@
           <p:cNvPr id="2" name="标题 1">
             <a:extLst>
               <a:ext uri="{FF2B5EF4-FFF2-40B4-BE49-F238E27FC236}">
-                <a16:creationId xmlns:a16="http://schemas.microsoft.com/office/drawing/2014/main" id="{9DC4C2FA-D77F-5B38-403B-41C3A34D3C00}"/>
+                <a16:creationId xmlns:a16="http://schemas.microsoft.com/office/drawing/2014/main" id="{28BA5E97-C671-E194-3701-DF72246A520A}"/>
               </a:ext>
             </a:extLst>
           </p:cNvPr>
@@ -990,7 +990,7 @@
           <p:cNvPr id="3" name="文本占位符 2">
             <a:extLst>
               <a:ext uri="{FF2B5EF4-FFF2-40B4-BE49-F238E27FC236}">
-                <a16:creationId xmlns:a16="http://schemas.microsoft.com/office/drawing/2014/main" id="{2065B9DB-A3E9-0BCB-D680-E4F00541F6FF}"/>
+                <a16:creationId xmlns:a16="http://schemas.microsoft.com/office/drawing/2014/main" id="{D159E620-5FAB-C74D-154E-201E9E649C9F}"/>
               </a:ext>
             </a:extLst>
           </p:cNvPr>
@@ -1115,7 +1115,7 @@
           <p:cNvPr id="4" name="日期占位符 3">
             <a:extLst>
               <a:ext uri="{FF2B5EF4-FFF2-40B4-BE49-F238E27FC236}">
-                <a16:creationId xmlns:a16="http://schemas.microsoft.com/office/drawing/2014/main" id="{AA3F5E61-6799-F65D-C098-E70295FAF348}"/>
+                <a16:creationId xmlns:a16="http://schemas.microsoft.com/office/drawing/2014/main" id="{CF2B0A36-C9E2-95CF-EFB0-ED8625354BA9}"/>
               </a:ext>
             </a:extLst>
           </p:cNvPr>
@@ -1131,7 +1131,7 @@
           <a:bodyPr/>
           <a:lstStyle/>
           <a:p>
-            <a:fld id="{1580513F-49D7-4D71-9EB9-94CA21A94506}" type="datetimeFigureOut">
+            <a:fld id="{37F33574-903F-44AC-9F95-92D9584917FB}" type="datetimeFigureOut">
               <a:rPr lang="zh-CN" altLang="en-US" smtClean="0"/>
               <a:t>2024/3/10</a:t>
             </a:fld>
@@ -1144,7 +1144,7 @@
           <p:cNvPr id="5" name="页脚占位符 4">
             <a:extLst>
               <a:ext uri="{FF2B5EF4-FFF2-40B4-BE49-F238E27FC236}">
-                <a16:creationId xmlns:a16="http://schemas.microsoft.com/office/drawing/2014/main" id="{9A3F206D-24D0-EB61-F75D-D912C834256B}"/>
+                <a16:creationId xmlns:a16="http://schemas.microsoft.com/office/drawing/2014/main" id="{92C68358-15D7-0CFA-26A5-417EF448F036}"/>
               </a:ext>
             </a:extLst>
           </p:cNvPr>
@@ -1169,7 +1169,7 @@
           <p:cNvPr id="6" name="灯片编号占位符 5">
             <a:extLst>
               <a:ext uri="{FF2B5EF4-FFF2-40B4-BE49-F238E27FC236}">
-                <a16:creationId xmlns:a16="http://schemas.microsoft.com/office/drawing/2014/main" id="{30EA7577-FE8D-9C13-C41A-8BA05253EF84}"/>
+                <a16:creationId xmlns:a16="http://schemas.microsoft.com/office/drawing/2014/main" id="{14B13F67-C64E-C077-9E6F-163DAABC1A1E}"/>
               </a:ext>
             </a:extLst>
           </p:cNvPr>
@@ -1185,7 +1185,7 @@
           <a:bodyPr/>
           <a:lstStyle/>
           <a:p>
-            <a:fld id="{BF9325A2-2710-49A3-B2B6-79F29975BB08}" type="slidenum">
+            <a:fld id="{B64EC739-C939-4482-8E8E-71A6F9C43AF0}" type="slidenum">
               <a:rPr lang="zh-CN" altLang="en-US" smtClean="0"/>
               <a:t>‹#›</a:t>
             </a:fld>
@@ -1196,7 +1196,7 @@
     </p:spTree>
     <p:extLst>
       <p:ext uri="{BB962C8B-B14F-4D97-AF65-F5344CB8AC3E}">
-        <p14:creationId xmlns:p14="http://schemas.microsoft.com/office/powerpoint/2010/main" val="2461832973"/>
+        <p14:creationId xmlns:p14="http://schemas.microsoft.com/office/powerpoint/2010/main" val="55745442"/>
       </p:ext>
     </p:extLst>
   </p:cSld>
@@ -1228,7 +1228,7 @@
           <p:cNvPr id="2" name="标题 1">
             <a:extLst>
               <a:ext uri="{FF2B5EF4-FFF2-40B4-BE49-F238E27FC236}">
-                <a16:creationId xmlns:a16="http://schemas.microsoft.com/office/drawing/2014/main" id="{771A7E15-4E89-E310-D368-88AC1C8EDD8A}"/>
+                <a16:creationId xmlns:a16="http://schemas.microsoft.com/office/drawing/2014/main" id="{F5681207-EC93-1A5C-F611-B55F67B332FD}"/>
               </a:ext>
             </a:extLst>
           </p:cNvPr>
@@ -1256,7 +1256,7 @@
           <p:cNvPr id="3" name="内容占位符 2">
             <a:extLst>
               <a:ext uri="{FF2B5EF4-FFF2-40B4-BE49-F238E27FC236}">
-                <a16:creationId xmlns:a16="http://schemas.microsoft.com/office/drawing/2014/main" id="{9EE4D746-8A6D-78E3-C3CE-185E4CA4D27F}"/>
+                <a16:creationId xmlns:a16="http://schemas.microsoft.com/office/drawing/2014/main" id="{0716F986-55F9-9AE8-71F7-11C6B39DC137}"/>
               </a:ext>
             </a:extLst>
           </p:cNvPr>
@@ -1318,7 +1318,7 @@
           <p:cNvPr id="4" name="内容占位符 3">
             <a:extLst>
               <a:ext uri="{FF2B5EF4-FFF2-40B4-BE49-F238E27FC236}">
-                <a16:creationId xmlns:a16="http://schemas.microsoft.com/office/drawing/2014/main" id="{66E148E0-034B-801C-2A83-74789B4B073F}"/>
+                <a16:creationId xmlns:a16="http://schemas.microsoft.com/office/drawing/2014/main" id="{89A62738-E4C2-FCE3-7298-44F11F4C052D}"/>
               </a:ext>
             </a:extLst>
           </p:cNvPr>
@@ -1380,7 +1380,7 @@
           <p:cNvPr id="5" name="日期占位符 4">
             <a:extLst>
               <a:ext uri="{FF2B5EF4-FFF2-40B4-BE49-F238E27FC236}">
-                <a16:creationId xmlns:a16="http://schemas.microsoft.com/office/drawing/2014/main" id="{05A46795-224C-27E6-2862-4F6AF2BB42B9}"/>
+                <a16:creationId xmlns:a16="http://schemas.microsoft.com/office/drawing/2014/main" id="{A5C3D825-525B-32E8-0312-62D939AB84EB}"/>
               </a:ext>
             </a:extLst>
           </p:cNvPr>
@@ -1396,7 +1396,7 @@
           <a:bodyPr/>
           <a:lstStyle/>
           <a:p>
-            <a:fld id="{1580513F-49D7-4D71-9EB9-94CA21A94506}" type="datetimeFigureOut">
+            <a:fld id="{37F33574-903F-44AC-9F95-92D9584917FB}" type="datetimeFigureOut">
               <a:rPr lang="zh-CN" altLang="en-US" smtClean="0"/>
               <a:t>2024/3/10</a:t>
             </a:fld>
@@ -1409,7 +1409,7 @@
           <p:cNvPr id="6" name="页脚占位符 5">
             <a:extLst>
               <a:ext uri="{FF2B5EF4-FFF2-40B4-BE49-F238E27FC236}">
-                <a16:creationId xmlns:a16="http://schemas.microsoft.com/office/drawing/2014/main" id="{343EDC57-B960-ECB9-F54F-355FAC97C0EF}"/>
+                <a16:creationId xmlns:a16="http://schemas.microsoft.com/office/drawing/2014/main" id="{67B25992-DC97-7311-A3FC-91AE4469CEC8}"/>
               </a:ext>
             </a:extLst>
           </p:cNvPr>
@@ -1434,7 +1434,7 @@
           <p:cNvPr id="7" name="灯片编号占位符 6">
             <a:extLst>
               <a:ext uri="{FF2B5EF4-FFF2-40B4-BE49-F238E27FC236}">
-                <a16:creationId xmlns:a16="http://schemas.microsoft.com/office/drawing/2014/main" id="{208FD3FF-297A-A9EE-B0A1-AF324856FA3C}"/>
+                <a16:creationId xmlns:a16="http://schemas.microsoft.com/office/drawing/2014/main" id="{A7531898-6B4E-78AD-32CC-0D1ECC76B5D1}"/>
               </a:ext>
             </a:extLst>
           </p:cNvPr>
@@ -1450,7 +1450,7 @@
           <a:bodyPr/>
           <a:lstStyle/>
           <a:p>
-            <a:fld id="{BF9325A2-2710-49A3-B2B6-79F29975BB08}" type="slidenum">
+            <a:fld id="{B64EC739-C939-4482-8E8E-71A6F9C43AF0}" type="slidenum">
               <a:rPr lang="zh-CN" altLang="en-US" smtClean="0"/>
               <a:t>‹#›</a:t>
             </a:fld>
@@ -1461,7 +1461,7 @@
     </p:spTree>
     <p:extLst>
       <p:ext uri="{BB962C8B-B14F-4D97-AF65-F5344CB8AC3E}">
-        <p14:creationId xmlns:p14="http://schemas.microsoft.com/office/powerpoint/2010/main" val="708121061"/>
+        <p14:creationId xmlns:p14="http://schemas.microsoft.com/office/powerpoint/2010/main" val="4124459351"/>
       </p:ext>
     </p:extLst>
   </p:cSld>
@@ -1493,7 +1493,7 @@
           <p:cNvPr id="2" name="标题 1">
             <a:extLst>
               <a:ext uri="{FF2B5EF4-FFF2-40B4-BE49-F238E27FC236}">
-                <a16:creationId xmlns:a16="http://schemas.microsoft.com/office/drawing/2014/main" id="{217E9016-8064-1A44-F0D0-5657473D335F}"/>
+                <a16:creationId xmlns:a16="http://schemas.microsoft.com/office/drawing/2014/main" id="{B978F17A-D487-25AC-9958-C5C1C71682CA}"/>
               </a:ext>
             </a:extLst>
           </p:cNvPr>
@@ -1526,7 +1526,7 @@
           <p:cNvPr id="3" name="文本占位符 2">
             <a:extLst>
               <a:ext uri="{FF2B5EF4-FFF2-40B4-BE49-F238E27FC236}">
-                <a16:creationId xmlns:a16="http://schemas.microsoft.com/office/drawing/2014/main" id="{376B27C1-D070-52B8-3D13-B8F330DC1B05}"/>
+                <a16:creationId xmlns:a16="http://schemas.microsoft.com/office/drawing/2014/main" id="{E18BD222-ADF9-9D1D-18BE-9F6A9D862742}"/>
               </a:ext>
             </a:extLst>
           </p:cNvPr>
@@ -1597,7 +1597,7 @@
           <p:cNvPr id="4" name="内容占位符 3">
             <a:extLst>
               <a:ext uri="{FF2B5EF4-FFF2-40B4-BE49-F238E27FC236}">
-                <a16:creationId xmlns:a16="http://schemas.microsoft.com/office/drawing/2014/main" id="{485122CD-4CBF-8317-BE44-B83B61457839}"/>
+                <a16:creationId xmlns:a16="http://schemas.microsoft.com/office/drawing/2014/main" id="{1020ABE9-9365-FBB8-FA62-8EE2EE1BEFB3}"/>
               </a:ext>
             </a:extLst>
           </p:cNvPr>
@@ -1659,7 +1659,7 @@
           <p:cNvPr id="5" name="文本占位符 4">
             <a:extLst>
               <a:ext uri="{FF2B5EF4-FFF2-40B4-BE49-F238E27FC236}">
-                <a16:creationId xmlns:a16="http://schemas.microsoft.com/office/drawing/2014/main" id="{49AE25CD-C117-DE8A-B742-C6A8F3D5A84A}"/>
+                <a16:creationId xmlns:a16="http://schemas.microsoft.com/office/drawing/2014/main" id="{001922B0-4707-377A-5B1D-1DE0031B247B}"/>
               </a:ext>
             </a:extLst>
           </p:cNvPr>
@@ -1730,7 +1730,7 @@
           <p:cNvPr id="6" name="内容占位符 5">
             <a:extLst>
               <a:ext uri="{FF2B5EF4-FFF2-40B4-BE49-F238E27FC236}">
-                <a16:creationId xmlns:a16="http://schemas.microsoft.com/office/drawing/2014/main" id="{2B9C6E81-D44C-0F6F-D83E-B95065FC89A9}"/>
+                <a16:creationId xmlns:a16="http://schemas.microsoft.com/office/drawing/2014/main" id="{C8ED7C1D-D304-89DA-C59A-453BC1ED9774}"/>
               </a:ext>
             </a:extLst>
           </p:cNvPr>
@@ -1792,7 +1792,7 @@
           <p:cNvPr id="7" name="日期占位符 6">
             <a:extLst>
               <a:ext uri="{FF2B5EF4-FFF2-40B4-BE49-F238E27FC236}">
-                <a16:creationId xmlns:a16="http://schemas.microsoft.com/office/drawing/2014/main" id="{D4185576-BC3D-A7E3-4FE0-00F8F21F4980}"/>
+                <a16:creationId xmlns:a16="http://schemas.microsoft.com/office/drawing/2014/main" id="{71EFDDCD-440B-58D5-6B34-C06BEFE079A3}"/>
               </a:ext>
             </a:extLst>
           </p:cNvPr>
@@ -1808,7 +1808,7 @@
           <a:bodyPr/>
           <a:lstStyle/>
           <a:p>
-            <a:fld id="{1580513F-49D7-4D71-9EB9-94CA21A94506}" type="datetimeFigureOut">
+            <a:fld id="{37F33574-903F-44AC-9F95-92D9584917FB}" type="datetimeFigureOut">
               <a:rPr lang="zh-CN" altLang="en-US" smtClean="0"/>
               <a:t>2024/3/10</a:t>
             </a:fld>
@@ -1821,7 +1821,7 @@
           <p:cNvPr id="8" name="页脚占位符 7">
             <a:extLst>
               <a:ext uri="{FF2B5EF4-FFF2-40B4-BE49-F238E27FC236}">
-                <a16:creationId xmlns:a16="http://schemas.microsoft.com/office/drawing/2014/main" id="{DCA680CD-597D-F1EC-90F4-DE5F879782D6}"/>
+                <a16:creationId xmlns:a16="http://schemas.microsoft.com/office/drawing/2014/main" id="{6D5922A2-3822-BBDB-00FE-A4A9C0BEE7BE}"/>
               </a:ext>
             </a:extLst>
           </p:cNvPr>
@@ -1846,7 +1846,7 @@
           <p:cNvPr id="9" name="灯片编号占位符 8">
             <a:extLst>
               <a:ext uri="{FF2B5EF4-FFF2-40B4-BE49-F238E27FC236}">
-                <a16:creationId xmlns:a16="http://schemas.microsoft.com/office/drawing/2014/main" id="{027A7D9C-F155-AC22-4697-BB559C420BA5}"/>
+                <a16:creationId xmlns:a16="http://schemas.microsoft.com/office/drawing/2014/main" id="{454C9637-942C-1D98-663A-02070BE1A12D}"/>
               </a:ext>
             </a:extLst>
           </p:cNvPr>
@@ -1862,7 +1862,7 @@
           <a:bodyPr/>
           <a:lstStyle/>
           <a:p>
-            <a:fld id="{BF9325A2-2710-49A3-B2B6-79F29975BB08}" type="slidenum">
+            <a:fld id="{B64EC739-C939-4482-8E8E-71A6F9C43AF0}" type="slidenum">
               <a:rPr lang="zh-CN" altLang="en-US" smtClean="0"/>
               <a:t>‹#›</a:t>
             </a:fld>
@@ -1873,7 +1873,7 @@
     </p:spTree>
     <p:extLst>
       <p:ext uri="{BB962C8B-B14F-4D97-AF65-F5344CB8AC3E}">
-        <p14:creationId xmlns:p14="http://schemas.microsoft.com/office/powerpoint/2010/main" val="2626056742"/>
+        <p14:creationId xmlns:p14="http://schemas.microsoft.com/office/powerpoint/2010/main" val="1162981701"/>
       </p:ext>
     </p:extLst>
   </p:cSld>
@@ -1905,7 +1905,7 @@
           <p:cNvPr id="2" name="标题 1">
             <a:extLst>
               <a:ext uri="{FF2B5EF4-FFF2-40B4-BE49-F238E27FC236}">
-                <a16:creationId xmlns:a16="http://schemas.microsoft.com/office/drawing/2014/main" id="{6B3F66DA-3EEC-8141-3B9A-A721C7BF6D99}"/>
+                <a16:creationId xmlns:a16="http://schemas.microsoft.com/office/drawing/2014/main" id="{5FA7F241-5A15-E6AC-EA21-4DFCFD7911E9}"/>
               </a:ext>
             </a:extLst>
           </p:cNvPr>
@@ -1933,7 +1933,7 @@
           <p:cNvPr id="3" name="日期占位符 2">
             <a:extLst>
               <a:ext uri="{FF2B5EF4-FFF2-40B4-BE49-F238E27FC236}">
-                <a16:creationId xmlns:a16="http://schemas.microsoft.com/office/drawing/2014/main" id="{65E9BA0B-C198-9E6C-C320-B1EBB9350BE5}"/>
+                <a16:creationId xmlns:a16="http://schemas.microsoft.com/office/drawing/2014/main" id="{AC647A26-A975-A99D-A340-DE96AB8E27AF}"/>
               </a:ext>
             </a:extLst>
           </p:cNvPr>
@@ -1949,7 +1949,7 @@
           <a:bodyPr/>
           <a:lstStyle/>
           <a:p>
-            <a:fld id="{1580513F-49D7-4D71-9EB9-94CA21A94506}" type="datetimeFigureOut">
+            <a:fld id="{37F33574-903F-44AC-9F95-92D9584917FB}" type="datetimeFigureOut">
               <a:rPr lang="zh-CN" altLang="en-US" smtClean="0"/>
               <a:t>2024/3/10</a:t>
             </a:fld>
@@ -1962,7 +1962,7 @@
           <p:cNvPr id="4" name="页脚占位符 3">
             <a:extLst>
               <a:ext uri="{FF2B5EF4-FFF2-40B4-BE49-F238E27FC236}">
-                <a16:creationId xmlns:a16="http://schemas.microsoft.com/office/drawing/2014/main" id="{8CED04C3-0385-E46F-9FDE-EFB171E2F3A6}"/>
+                <a16:creationId xmlns:a16="http://schemas.microsoft.com/office/drawing/2014/main" id="{C664AC87-E57C-CAF1-7746-4899F71F2B6E}"/>
               </a:ext>
             </a:extLst>
           </p:cNvPr>
@@ -1987,7 +1987,7 @@
           <p:cNvPr id="5" name="灯片编号占位符 4">
             <a:extLst>
               <a:ext uri="{FF2B5EF4-FFF2-40B4-BE49-F238E27FC236}">
-                <a16:creationId xmlns:a16="http://schemas.microsoft.com/office/drawing/2014/main" id="{379CB843-34AD-9BB0-D245-8C3C75A315E7}"/>
+                <a16:creationId xmlns:a16="http://schemas.microsoft.com/office/drawing/2014/main" id="{518CFD0D-4ACF-A5FD-E8F5-A596C42871F9}"/>
               </a:ext>
             </a:extLst>
           </p:cNvPr>
@@ -2003,7 +2003,7 @@
           <a:bodyPr/>
           <a:lstStyle/>
           <a:p>
-            <a:fld id="{BF9325A2-2710-49A3-B2B6-79F29975BB08}" type="slidenum">
+            <a:fld id="{B64EC739-C939-4482-8E8E-71A6F9C43AF0}" type="slidenum">
               <a:rPr lang="zh-CN" altLang="en-US" smtClean="0"/>
               <a:t>‹#›</a:t>
             </a:fld>
@@ -2014,7 +2014,7 @@
     </p:spTree>
     <p:extLst>
       <p:ext uri="{BB962C8B-B14F-4D97-AF65-F5344CB8AC3E}">
-        <p14:creationId xmlns:p14="http://schemas.microsoft.com/office/powerpoint/2010/main" val="3982010363"/>
+        <p14:creationId xmlns:p14="http://schemas.microsoft.com/office/powerpoint/2010/main" val="2848847434"/>
       </p:ext>
     </p:extLst>
   </p:cSld>
@@ -2046,7 +2046,7 @@
           <p:cNvPr id="2" name="日期占位符 1">
             <a:extLst>
               <a:ext uri="{FF2B5EF4-FFF2-40B4-BE49-F238E27FC236}">
-                <a16:creationId xmlns:a16="http://schemas.microsoft.com/office/drawing/2014/main" id="{E957D6B3-0BF5-90B6-C719-C8C9E8E148CA}"/>
+                <a16:creationId xmlns:a16="http://schemas.microsoft.com/office/drawing/2014/main" id="{E314E403-E176-20F5-A8F6-41FD2EC7ECF6}"/>
               </a:ext>
             </a:extLst>
           </p:cNvPr>
@@ -2062,7 +2062,7 @@
           <a:bodyPr/>
           <a:lstStyle/>
           <a:p>
-            <a:fld id="{1580513F-49D7-4D71-9EB9-94CA21A94506}" type="datetimeFigureOut">
+            <a:fld id="{37F33574-903F-44AC-9F95-92D9584917FB}" type="datetimeFigureOut">
               <a:rPr lang="zh-CN" altLang="en-US" smtClean="0"/>
               <a:t>2024/3/10</a:t>
             </a:fld>
@@ -2075,7 +2075,7 @@
           <p:cNvPr id="3" name="页脚占位符 2">
             <a:extLst>
               <a:ext uri="{FF2B5EF4-FFF2-40B4-BE49-F238E27FC236}">
-                <a16:creationId xmlns:a16="http://schemas.microsoft.com/office/drawing/2014/main" id="{68979644-9E06-2150-1978-384C2FD4C3FD}"/>
+                <a16:creationId xmlns:a16="http://schemas.microsoft.com/office/drawing/2014/main" id="{01415AE9-0AB7-0AE5-37B6-7FD68B6F2BCE}"/>
               </a:ext>
             </a:extLst>
           </p:cNvPr>
@@ -2100,7 +2100,7 @@
           <p:cNvPr id="4" name="灯片编号占位符 3">
             <a:extLst>
               <a:ext uri="{FF2B5EF4-FFF2-40B4-BE49-F238E27FC236}">
-                <a16:creationId xmlns:a16="http://schemas.microsoft.com/office/drawing/2014/main" id="{14E5C24F-7284-CE58-AC66-B32FD05D3CB5}"/>
+                <a16:creationId xmlns:a16="http://schemas.microsoft.com/office/drawing/2014/main" id="{3258953C-36C2-6CA7-7679-FED2667E0DBC}"/>
               </a:ext>
             </a:extLst>
           </p:cNvPr>
@@ -2116,7 +2116,7 @@
           <a:bodyPr/>
           <a:lstStyle/>
           <a:p>
-            <a:fld id="{BF9325A2-2710-49A3-B2B6-79F29975BB08}" type="slidenum">
+            <a:fld id="{B64EC739-C939-4482-8E8E-71A6F9C43AF0}" type="slidenum">
               <a:rPr lang="zh-CN" altLang="en-US" smtClean="0"/>
               <a:t>‹#›</a:t>
             </a:fld>
@@ -2127,7 +2127,7 @@
     </p:spTree>
     <p:extLst>
       <p:ext uri="{BB962C8B-B14F-4D97-AF65-F5344CB8AC3E}">
-        <p14:creationId xmlns:p14="http://schemas.microsoft.com/office/powerpoint/2010/main" val="1564137421"/>
+        <p14:creationId xmlns:p14="http://schemas.microsoft.com/office/powerpoint/2010/main" val="1759249625"/>
       </p:ext>
     </p:extLst>
   </p:cSld>
@@ -2159,7 +2159,7 @@
           <p:cNvPr id="2" name="标题 1">
             <a:extLst>
               <a:ext uri="{FF2B5EF4-FFF2-40B4-BE49-F238E27FC236}">
-                <a16:creationId xmlns:a16="http://schemas.microsoft.com/office/drawing/2014/main" id="{47E3ACFB-6C86-71E1-E85B-9A7B519F6A4A}"/>
+                <a16:creationId xmlns:a16="http://schemas.microsoft.com/office/drawing/2014/main" id="{11E5E810-F12F-2CB9-120E-70615D85046A}"/>
               </a:ext>
             </a:extLst>
           </p:cNvPr>
@@ -2196,7 +2196,7 @@
           <p:cNvPr id="3" name="内容占位符 2">
             <a:extLst>
               <a:ext uri="{FF2B5EF4-FFF2-40B4-BE49-F238E27FC236}">
-                <a16:creationId xmlns:a16="http://schemas.microsoft.com/office/drawing/2014/main" id="{049BCAE4-B102-355A-0174-989DBA984DEE}"/>
+                <a16:creationId xmlns:a16="http://schemas.microsoft.com/office/drawing/2014/main" id="{200804A2-E70D-F43F-4C98-F32DFF9A97EC}"/>
               </a:ext>
             </a:extLst>
           </p:cNvPr>
@@ -2286,7 +2286,7 @@
           <p:cNvPr id="4" name="文本占位符 3">
             <a:extLst>
               <a:ext uri="{FF2B5EF4-FFF2-40B4-BE49-F238E27FC236}">
-                <a16:creationId xmlns:a16="http://schemas.microsoft.com/office/drawing/2014/main" id="{63A2028D-B886-6D2A-A0CF-B702A874DEB0}"/>
+                <a16:creationId xmlns:a16="http://schemas.microsoft.com/office/drawing/2014/main" id="{A005B98E-5EA8-16C5-FEB3-6FFC6DCD1522}"/>
               </a:ext>
             </a:extLst>
           </p:cNvPr>
@@ -2357,7 +2357,7 @@
           <p:cNvPr id="5" name="日期占位符 4">
             <a:extLst>
               <a:ext uri="{FF2B5EF4-FFF2-40B4-BE49-F238E27FC236}">
-                <a16:creationId xmlns:a16="http://schemas.microsoft.com/office/drawing/2014/main" id="{E7D5999F-2C2C-2B20-D445-30345B76DAE9}"/>
+                <a16:creationId xmlns:a16="http://schemas.microsoft.com/office/drawing/2014/main" id="{031B5A9B-79AC-7DDE-B4AD-D870243F7FA5}"/>
               </a:ext>
             </a:extLst>
           </p:cNvPr>
@@ -2373,7 +2373,7 @@
           <a:bodyPr/>
           <a:lstStyle/>
           <a:p>
-            <a:fld id="{1580513F-49D7-4D71-9EB9-94CA21A94506}" type="datetimeFigureOut">
+            <a:fld id="{37F33574-903F-44AC-9F95-92D9584917FB}" type="datetimeFigureOut">
               <a:rPr lang="zh-CN" altLang="en-US" smtClean="0"/>
               <a:t>2024/3/10</a:t>
             </a:fld>
@@ -2386,7 +2386,7 @@
           <p:cNvPr id="6" name="页脚占位符 5">
             <a:extLst>
               <a:ext uri="{FF2B5EF4-FFF2-40B4-BE49-F238E27FC236}">
-                <a16:creationId xmlns:a16="http://schemas.microsoft.com/office/drawing/2014/main" id="{D9E16B44-9E2B-2D49-5BA4-1800341C23CC}"/>
+                <a16:creationId xmlns:a16="http://schemas.microsoft.com/office/drawing/2014/main" id="{704C5B08-989D-63F9-15F4-35EBDE30B787}"/>
               </a:ext>
             </a:extLst>
           </p:cNvPr>
@@ -2411,7 +2411,7 @@
           <p:cNvPr id="7" name="灯片编号占位符 6">
             <a:extLst>
               <a:ext uri="{FF2B5EF4-FFF2-40B4-BE49-F238E27FC236}">
-                <a16:creationId xmlns:a16="http://schemas.microsoft.com/office/drawing/2014/main" id="{06F12FB8-5A02-831B-23AA-C3F2C83A23B5}"/>
+                <a16:creationId xmlns:a16="http://schemas.microsoft.com/office/drawing/2014/main" id="{15C8BA54-990E-AED4-7706-D5542EDE4C8F}"/>
               </a:ext>
             </a:extLst>
           </p:cNvPr>
@@ -2427,7 +2427,7 @@
           <a:bodyPr/>
           <a:lstStyle/>
           <a:p>
-            <a:fld id="{BF9325A2-2710-49A3-B2B6-79F29975BB08}" type="slidenum">
+            <a:fld id="{B64EC739-C939-4482-8E8E-71A6F9C43AF0}" type="slidenum">
               <a:rPr lang="zh-CN" altLang="en-US" smtClean="0"/>
               <a:t>‹#›</a:t>
             </a:fld>
@@ -2438,7 +2438,7 @@
     </p:spTree>
     <p:extLst>
       <p:ext uri="{BB962C8B-B14F-4D97-AF65-F5344CB8AC3E}">
-        <p14:creationId xmlns:p14="http://schemas.microsoft.com/office/powerpoint/2010/main" val="3214846151"/>
+        <p14:creationId xmlns:p14="http://schemas.microsoft.com/office/powerpoint/2010/main" val="3858027090"/>
       </p:ext>
     </p:extLst>
   </p:cSld>
@@ -2470,7 +2470,7 @@
           <p:cNvPr id="2" name="标题 1">
             <a:extLst>
               <a:ext uri="{FF2B5EF4-FFF2-40B4-BE49-F238E27FC236}">
-                <a16:creationId xmlns:a16="http://schemas.microsoft.com/office/drawing/2014/main" id="{ABAE2F73-085A-FBDC-6DB8-5C35CC5980F8}"/>
+                <a16:creationId xmlns:a16="http://schemas.microsoft.com/office/drawing/2014/main" id="{1EA66CCE-CFC8-91E2-B63B-275CBFBC7E43}"/>
               </a:ext>
             </a:extLst>
           </p:cNvPr>
@@ -2507,7 +2507,7 @@
           <p:cNvPr id="3" name="图片占位符 2">
             <a:extLst>
               <a:ext uri="{FF2B5EF4-FFF2-40B4-BE49-F238E27FC236}">
-                <a16:creationId xmlns:a16="http://schemas.microsoft.com/office/drawing/2014/main" id="{5ABC2131-0CDB-42ED-99E4-E0307DD1665C}"/>
+                <a16:creationId xmlns:a16="http://schemas.microsoft.com/office/drawing/2014/main" id="{28791504-13B2-1423-F0CD-B8DDC79E64A4}"/>
               </a:ext>
             </a:extLst>
           </p:cNvPr>
@@ -2574,7 +2574,7 @@
           <p:cNvPr id="4" name="文本占位符 3">
             <a:extLst>
               <a:ext uri="{FF2B5EF4-FFF2-40B4-BE49-F238E27FC236}">
-                <a16:creationId xmlns:a16="http://schemas.microsoft.com/office/drawing/2014/main" id="{D468CFD3-9F0C-A9A5-A5F3-5CB582671F4F}"/>
+                <a16:creationId xmlns:a16="http://schemas.microsoft.com/office/drawing/2014/main" id="{9292816F-8599-E5C6-31E7-64CF86E74C23}"/>
               </a:ext>
             </a:extLst>
           </p:cNvPr>
@@ -2645,7 +2645,7 @@
           <p:cNvPr id="5" name="日期占位符 4">
             <a:extLst>
               <a:ext uri="{FF2B5EF4-FFF2-40B4-BE49-F238E27FC236}">
-                <a16:creationId xmlns:a16="http://schemas.microsoft.com/office/drawing/2014/main" id="{8642EEED-6D3D-FCE7-344E-BC6D79A8569F}"/>
+                <a16:creationId xmlns:a16="http://schemas.microsoft.com/office/drawing/2014/main" id="{A841B48D-9A56-BC05-4D29-BAB6C72341DA}"/>
               </a:ext>
             </a:extLst>
           </p:cNvPr>
@@ -2661,7 +2661,7 @@
           <a:bodyPr/>
           <a:lstStyle/>
           <a:p>
-            <a:fld id="{1580513F-49D7-4D71-9EB9-94CA21A94506}" type="datetimeFigureOut">
+            <a:fld id="{37F33574-903F-44AC-9F95-92D9584917FB}" type="datetimeFigureOut">
               <a:rPr lang="zh-CN" altLang="en-US" smtClean="0"/>
               <a:t>2024/3/10</a:t>
             </a:fld>
@@ -2674,7 +2674,7 @@
           <p:cNvPr id="6" name="页脚占位符 5">
             <a:extLst>
               <a:ext uri="{FF2B5EF4-FFF2-40B4-BE49-F238E27FC236}">
-                <a16:creationId xmlns:a16="http://schemas.microsoft.com/office/drawing/2014/main" id="{61062F78-F42D-EF35-8D4B-F2645AB95AC3}"/>
+                <a16:creationId xmlns:a16="http://schemas.microsoft.com/office/drawing/2014/main" id="{593A1DBB-294B-D1D2-1931-BBA4225D937C}"/>
               </a:ext>
             </a:extLst>
           </p:cNvPr>
@@ -2699,7 +2699,7 @@
           <p:cNvPr id="7" name="灯片编号占位符 6">
             <a:extLst>
               <a:ext uri="{FF2B5EF4-FFF2-40B4-BE49-F238E27FC236}">
-                <a16:creationId xmlns:a16="http://schemas.microsoft.com/office/drawing/2014/main" id="{87AF9D6D-98F8-0B1C-9AFD-9D7267E08263}"/>
+                <a16:creationId xmlns:a16="http://schemas.microsoft.com/office/drawing/2014/main" id="{D01014E9-6DDC-DF25-4BAB-EE23262EDD03}"/>
               </a:ext>
             </a:extLst>
           </p:cNvPr>
@@ -2715,7 +2715,7 @@
           <a:bodyPr/>
           <a:lstStyle/>
           <a:p>
-            <a:fld id="{BF9325A2-2710-49A3-B2B6-79F29975BB08}" type="slidenum">
+            <a:fld id="{B64EC739-C939-4482-8E8E-71A6F9C43AF0}" type="slidenum">
               <a:rPr lang="zh-CN" altLang="en-US" smtClean="0"/>
               <a:t>‹#›</a:t>
             </a:fld>
@@ -2726,7 +2726,7 @@
     </p:spTree>
     <p:extLst>
       <p:ext uri="{BB962C8B-B14F-4D97-AF65-F5344CB8AC3E}">
-        <p14:creationId xmlns:p14="http://schemas.microsoft.com/office/powerpoint/2010/main" val="643105359"/>
+        <p14:creationId xmlns:p14="http://schemas.microsoft.com/office/powerpoint/2010/main" val="2997868363"/>
       </p:ext>
     </p:extLst>
   </p:cSld>
@@ -2763,7 +2763,7 @@
           <p:cNvPr id="2" name="标题占位符 1">
             <a:extLst>
               <a:ext uri="{FF2B5EF4-FFF2-40B4-BE49-F238E27FC236}">
-                <a16:creationId xmlns:a16="http://schemas.microsoft.com/office/drawing/2014/main" id="{361C8D9F-D325-8632-5228-2D461ED7572C}"/>
+                <a16:creationId xmlns:a16="http://schemas.microsoft.com/office/drawing/2014/main" id="{2720B94A-9C49-BB24-AC12-A2C7E7768898}"/>
               </a:ext>
             </a:extLst>
           </p:cNvPr>
@@ -2801,7 +2801,7 @@
           <p:cNvPr id="3" name="文本占位符 2">
             <a:extLst>
               <a:ext uri="{FF2B5EF4-FFF2-40B4-BE49-F238E27FC236}">
-                <a16:creationId xmlns:a16="http://schemas.microsoft.com/office/drawing/2014/main" id="{9BB863FE-2153-EC91-67D0-85AD85325CD4}"/>
+                <a16:creationId xmlns:a16="http://schemas.microsoft.com/office/drawing/2014/main" id="{9E74FFE0-5F3B-88D0-DB05-AFF517CD56F6}"/>
               </a:ext>
             </a:extLst>
           </p:cNvPr>
@@ -2868,7 +2868,7 @@
           <p:cNvPr id="4" name="日期占位符 3">
             <a:extLst>
               <a:ext uri="{FF2B5EF4-FFF2-40B4-BE49-F238E27FC236}">
-                <a16:creationId xmlns:a16="http://schemas.microsoft.com/office/drawing/2014/main" id="{B5FB46C6-0104-1A27-CA87-A455A19CE079}"/>
+                <a16:creationId xmlns:a16="http://schemas.microsoft.com/office/drawing/2014/main" id="{52C78012-B58C-B6B1-BFC0-DFD876D2934A}"/>
               </a:ext>
             </a:extLst>
           </p:cNvPr>
@@ -2902,7 +2902,7 @@
             </a:lvl1pPr>
           </a:lstStyle>
           <a:p>
-            <a:fld id="{1580513F-49D7-4D71-9EB9-94CA21A94506}" type="datetimeFigureOut">
+            <a:fld id="{37F33574-903F-44AC-9F95-92D9584917FB}" type="datetimeFigureOut">
               <a:rPr lang="zh-CN" altLang="en-US" smtClean="0"/>
               <a:t>2024/3/10</a:t>
             </a:fld>
@@ -2915,7 +2915,7 @@
           <p:cNvPr id="5" name="页脚占位符 4">
             <a:extLst>
               <a:ext uri="{FF2B5EF4-FFF2-40B4-BE49-F238E27FC236}">
-                <a16:creationId xmlns:a16="http://schemas.microsoft.com/office/drawing/2014/main" id="{5FD8C985-C656-1549-96CC-71EA13921988}"/>
+                <a16:creationId xmlns:a16="http://schemas.microsoft.com/office/drawing/2014/main" id="{B2DD4F3D-631A-094A-7DC7-92308DAAE284}"/>
               </a:ext>
             </a:extLst>
           </p:cNvPr>
@@ -2958,7 +2958,7 @@
           <p:cNvPr id="6" name="灯片编号占位符 5">
             <a:extLst>
               <a:ext uri="{FF2B5EF4-FFF2-40B4-BE49-F238E27FC236}">
-                <a16:creationId xmlns:a16="http://schemas.microsoft.com/office/drawing/2014/main" id="{CFB26DCE-E9B6-6F07-043D-461E7580B068}"/>
+                <a16:creationId xmlns:a16="http://schemas.microsoft.com/office/drawing/2014/main" id="{3C9B4987-73C6-FB0C-2AFC-698CBB03E95A}"/>
               </a:ext>
             </a:extLst>
           </p:cNvPr>
@@ -2992,7 +2992,7 @@
             </a:lvl1pPr>
           </a:lstStyle>
           <a:p>
-            <a:fld id="{BF9325A2-2710-49A3-B2B6-79F29975BB08}" type="slidenum">
+            <a:fld id="{B64EC739-C939-4482-8E8E-71A6F9C43AF0}" type="slidenum">
               <a:rPr lang="zh-CN" altLang="en-US" smtClean="0"/>
               <a:t>‹#›</a:t>
             </a:fld>
@@ -3003,7 +3003,7 @@
     </p:spTree>
     <p:extLst>
       <p:ext uri="{BB962C8B-B14F-4D97-AF65-F5344CB8AC3E}">
-        <p14:creationId xmlns:p14="http://schemas.microsoft.com/office/powerpoint/2010/main" val="1165014488"/>
+        <p14:creationId xmlns:p14="http://schemas.microsoft.com/office/powerpoint/2010/main" val="3556286188"/>
       </p:ext>
     </p:extLst>
   </p:cSld>
@@ -3323,7 +3323,7 @@
       </p:grpSpPr>
       <p:pic>
         <p:nvPicPr>
-          <p:cNvPr id="522242" name="Picture 2" descr="509"/>
+          <p:cNvPr id="523266" name="Picture 2" descr="510"/>
           <p:cNvPicPr>
             <a:picLocks noChangeAspect="1" noChangeArrowheads="1"/>
           </p:cNvPicPr>
@@ -3345,7 +3345,7 @@
         <p:spPr bwMode="auto">
           <a:xfrm>
             <a:off x="1524000" y="0"/>
-            <a:ext cx="9144000" cy="6858000"/>
+            <a:ext cx="9144000" cy="6165850"/>
           </a:xfrm>
           <a:prstGeom prst="rect">
             <a:avLst/>
@@ -3375,11 +3375,158 @@
           </a:extLst>
         </p:spPr>
       </p:pic>
+      <p:pic>
+        <p:nvPicPr>
+          <p:cNvPr id="524291" name="Picture 3" descr="510-2"/>
+          <p:cNvPicPr>
+            <a:picLocks noChangeAspect="1" noChangeArrowheads="1"/>
+          </p:cNvPicPr>
+          <p:nvPr/>
+        </p:nvPicPr>
+        <p:blipFill>
+          <a:blip r:embed="rId3">
+            <a:extLst>
+              <a:ext uri="{28A0092B-C50C-407E-A947-70E740481C1C}">
+                <a14:useLocalDpi xmlns:a14="http://schemas.microsoft.com/office/drawing/2010/main" val="0"/>
+              </a:ext>
+            </a:extLst>
+          </a:blip>
+          <a:srcRect/>
+          <a:stretch>
+            <a:fillRect/>
+          </a:stretch>
+        </p:blipFill>
+        <p:spPr bwMode="auto">
+          <a:xfrm>
+            <a:off x="1524000" y="1589"/>
+            <a:ext cx="9144000" cy="6308725"/>
+          </a:xfrm>
+          <a:prstGeom prst="rect">
+            <a:avLst/>
+          </a:prstGeom>
+          <a:noFill/>
+          <a:ln>
+            <a:noFill/>
+          </a:ln>
+          <a:effectLst/>
+          <a:extLst>
+            <a:ext uri="{909E8E84-426E-40DD-AFC4-6F175D3DCCD1}">
+              <a14:hiddenFill xmlns:a14="http://schemas.microsoft.com/office/drawing/2010/main">
+                <a:solidFill>
+                  <a:srgbClr val="FFFFFF"/>
+                </a:solidFill>
+              </a14:hiddenFill>
+            </a:ext>
+            <a:ext uri="{91240B29-F687-4F45-9708-019B960494DF}">
+              <a14:hiddenLine xmlns:a14="http://schemas.microsoft.com/office/drawing/2010/main" w="9525">
+                <a:solidFill>
+                  <a:srgbClr val="000000"/>
+                </a:solidFill>
+                <a:miter lim="800000"/>
+                <a:headEnd/>
+                <a:tailEnd/>
+              </a14:hiddenLine>
+            </a:ext>
+            <a:ext uri="{AF507438-7753-43E0-B8FC-AC1667EBCBE1}">
+              <a14:hiddenEffects xmlns:a14="http://schemas.microsoft.com/office/drawing/2010/main">
+                <a:effectLst>
+                  <a:outerShdw dist="35921" dir="2700000" algn="ctr" rotWithShape="0">
+                    <a:srgbClr val="808080"/>
+                  </a:outerShdw>
+                </a:effectLst>
+              </a14:hiddenEffects>
+            </a:ext>
+          </a:extLst>
+        </p:spPr>
+      </p:pic>
     </p:spTree>
   </p:cSld>
   <p:clrMapOvr>
     <a:masterClrMapping/>
   </p:clrMapOvr>
+  <p:timing>
+    <p:tnLst>
+      <p:par>
+        <p:cTn id="1" dur="indefinite" restart="never" nodeType="tmRoot">
+          <p:childTnLst>
+            <p:seq concurrent="1" nextAc="seek">
+              <p:cTn id="2" dur="indefinite" nodeType="mainSeq">
+                <p:childTnLst>
+                  <p:par>
+                    <p:cTn id="3" fill="hold" nodeType="clickPar">
+                      <p:stCondLst>
+                        <p:cond delay="indefinite"/>
+                      </p:stCondLst>
+                      <p:childTnLst>
+                        <p:par>
+                          <p:cTn id="4" fill="hold" nodeType="withGroup">
+                            <p:stCondLst>
+                              <p:cond delay="0"/>
+                            </p:stCondLst>
+                            <p:childTnLst>
+                              <p:par>
+                                <p:cTn id="5" presetID="10" presetClass="entr" presetSubtype="0" fill="hold" nodeType="clickEffect">
+                                  <p:stCondLst>
+                                    <p:cond delay="0"/>
+                                  </p:stCondLst>
+                                  <p:childTnLst>
+                                    <p:set>
+                                      <p:cBhvr>
+                                        <p:cTn id="6" dur="1" fill="hold">
+                                          <p:stCondLst>
+                                            <p:cond delay="0"/>
+                                          </p:stCondLst>
+                                        </p:cTn>
+                                        <p:tgtEl>
+                                          <p:spTgt spid="524291"/>
+                                        </p:tgtEl>
+                                        <p:attrNameLst>
+                                          <p:attrName>style.visibility</p:attrName>
+                                        </p:attrNameLst>
+                                      </p:cBhvr>
+                                      <p:to>
+                                        <p:strVal val="visible"/>
+                                      </p:to>
+                                    </p:set>
+                                    <p:animEffect transition="in" filter="fade">
+                                      <p:cBhvr>
+                                        <p:cTn id="7" dur="500"/>
+                                        <p:tgtEl>
+                                          <p:spTgt spid="524291"/>
+                                        </p:tgtEl>
+                                      </p:cBhvr>
+                                    </p:animEffect>
+                                  </p:childTnLst>
+                                </p:cTn>
+                              </p:par>
+                            </p:childTnLst>
+                          </p:cTn>
+                        </p:par>
+                      </p:childTnLst>
+                    </p:cTn>
+                  </p:par>
+                </p:childTnLst>
+              </p:cTn>
+              <p:prevCondLst>
+                <p:cond evt="onPrev" delay="0">
+                  <p:tgtEl>
+                    <p:sldTgt/>
+                  </p:tgtEl>
+                </p:cond>
+              </p:prevCondLst>
+              <p:nextCondLst>
+                <p:cond evt="onNext" delay="0">
+                  <p:tgtEl>
+                    <p:sldTgt/>
+                  </p:tgtEl>
+                </p:cond>
+              </p:nextCondLst>
+            </p:seq>
+          </p:childTnLst>
+        </p:cTn>
+      </p:par>
+    </p:tnLst>
+  </p:timing>
 </p:sld>
 </file>
 
